--- a/Project_Presentation.pptx
+++ b/Project_Presentation.pptx
@@ -12,9 +12,9 @@
     <p:sldId id="282" r:id="rId6"/>
     <p:sldId id="283" r:id="rId7"/>
     <p:sldId id="279" r:id="rId8"/>
-    <p:sldId id="280" r:id="rId9"/>
-    <p:sldId id="259" r:id="rId10"/>
-    <p:sldId id="284" r:id="rId11"/>
+    <p:sldId id="259" r:id="rId9"/>
+    <p:sldId id="284" r:id="rId10"/>
+    <p:sldId id="280" r:id="rId11"/>
     <p:sldId id="267" r:id="rId12"/>
     <p:sldId id="261" r:id="rId13"/>
     <p:sldId id="268" r:id="rId14"/>
@@ -120,6 +120,11 @@
       </a:defRPr>
     </a:lvl9pPr>
   </p:defaultTextStyle>
+  <p:extLst>
+    <p:ext uri="{EFAFB233-063F-42B5-8137-9DF3F51BA10A}">
+      <p15:sldGuideLst xmlns:p15="http://schemas.microsoft.com/office/powerpoint/2012/main"/>
+    </p:ext>
+  </p:extLst>
 </p:presentation>
 </file>
 
@@ -3315,7 +3320,7 @@
         <a:p>
           <a:r>
             <a:rPr lang="en-US" dirty="0"/>
-            <a:t>Diminishing returns on subsequent models, especially on tuning a single model even better</a:t>
+            <a:t>Diminishing returns on subsequent models, especially on tuning a single model for better performance</a:t>
           </a:r>
         </a:p>
       </dgm:t>
@@ -3350,8 +3355,8 @@
         <a:lstStyle/>
         <a:p>
           <a:r>
-            <a:rPr lang="en-US"/>
-            <a:t>The features with the greatest impact on the final model showed up with the greatest correlation in the initial look at the data</a:t>
+            <a:rPr lang="en-US" dirty="0"/>
+            <a:t>All models performed better on the unseen/set aside test set than on predicting the Kaggle test dataset </a:t>
           </a:r>
         </a:p>
       </dgm:t>
@@ -3387,7 +3392,21 @@
         <a:p>
           <a:r>
             <a:rPr lang="en-US" dirty="0"/>
-            <a:t>There are a good deal of ways I could see improving my model further</a:t>
+            <a:t>Improvements may include more experimenting with how changes in data processing influences model performance.  </a:t>
+          </a:r>
+        </a:p>
+        <a:p>
+          <a:r>
+            <a:rPr lang="en-US" dirty="0"/>
+            <a:t>Additionally, there were more types of models or variations in model </a:t>
+          </a:r>
+          <a:r>
+            <a:rPr lang="en-US" dirty="0" err="1"/>
+            <a:t>ensembling</a:t>
+          </a:r>
+          <a:r>
+            <a:rPr lang="en-US" dirty="0"/>
+            <a:t> I was interested in applying to this dataset that realistic constraints didn’t allow for. </a:t>
           </a:r>
         </a:p>
       </dgm:t>
@@ -3445,6 +3464,7 @@
               </a:ext>
             </a:extLst>
           </a:blip>
+          <a:srcRect/>
           <a:stretch>
             <a:fillRect/>
           </a:stretch>
@@ -3455,7 +3475,7 @@
       </dgm:spPr>
       <dgm:extLst>
         <a:ext uri="{E40237B7-FDA0-4F09-8148-C483321AD2D9}">
-          <dgm14:cNvPr xmlns:dgm14="http://schemas.microsoft.com/office/drawing/2010/diagram" id="0" name="" descr="Upward trend"/>
+          <dgm14:cNvPr xmlns:dgm14="http://schemas.microsoft.com/office/drawing/2010/diagram" id="0" name="" descr="Presentation with bar chart"/>
         </a:ext>
       </dgm:extLst>
     </dgm:pt>
@@ -3498,6 +3518,7 @@
               </a:ext>
             </a:extLst>
           </a:blip>
+          <a:srcRect/>
           <a:stretch>
             <a:fillRect/>
           </a:stretch>
@@ -3508,7 +3529,7 @@
       </dgm:spPr>
       <dgm:extLst>
         <a:ext uri="{E40237B7-FDA0-4F09-8148-C483321AD2D9}">
-          <dgm14:cNvPr xmlns:dgm14="http://schemas.microsoft.com/office/drawing/2010/diagram" id="0" name="" descr="Bar chart"/>
+          <dgm14:cNvPr xmlns:dgm14="http://schemas.microsoft.com/office/drawing/2010/diagram" id="0" name="" descr="Downward trend graph"/>
         </a:ext>
       </dgm:extLst>
     </dgm:pt>
@@ -5164,8 +5185,8 @@
       </dsp:nvSpPr>
       <dsp:spPr>
         <a:xfrm>
-          <a:off x="0" y="644"/>
-          <a:ext cx="6151562" cy="1507303"/>
+          <a:off x="0" y="5150"/>
+          <a:ext cx="6151562" cy="1527504"/>
         </a:xfrm>
         <a:prstGeom prst="roundRect">
           <a:avLst>
@@ -5205,8 +5226,8 @@
       </dsp:nvSpPr>
       <dsp:spPr>
         <a:xfrm>
-          <a:off x="455959" y="339787"/>
-          <a:ext cx="829016" cy="829016"/>
+          <a:off x="462070" y="348839"/>
+          <a:ext cx="840948" cy="840127"/>
         </a:xfrm>
         <a:prstGeom prst="rect">
           <a:avLst/>
@@ -5222,6 +5243,7 @@
               </a:ext>
             </a:extLst>
           </a:blip>
+          <a:srcRect/>
           <a:stretch>
             <a:fillRect/>
           </a:stretch>
@@ -5254,8 +5276,8 @@
       </dsp:nvSpPr>
       <dsp:spPr>
         <a:xfrm>
-          <a:off x="1740935" y="644"/>
-          <a:ext cx="4410627" cy="1507303"/>
+          <a:off x="1765089" y="5150"/>
+          <a:ext cx="4246099" cy="1528998"/>
         </a:xfrm>
         <a:prstGeom prst="rect">
           <a:avLst/>
@@ -5279,12 +5301,12 @@
         <a:fontRef idx="minor"/>
       </dsp:style>
       <dsp:txBody>
-        <a:bodyPr spcFirstLastPara="0" vert="horz" wrap="square" lIns="159523" tIns="159523" rIns="159523" bIns="159523" numCol="1" spcCol="1270" anchor="ctr" anchorCtr="0">
+        <a:bodyPr spcFirstLastPara="0" vert="horz" wrap="square" lIns="161819" tIns="161819" rIns="161819" bIns="161819" numCol="1" spcCol="1270" anchor="ctr" anchorCtr="0">
           <a:noAutofit/>
         </a:bodyPr>
         <a:lstStyle/>
         <a:p>
-          <a:pPr marL="0" lvl="0" indent="0" algn="l" defTabSz="977900">
+          <a:pPr marL="0" lvl="0" indent="0" algn="l" defTabSz="622300">
             <a:lnSpc>
               <a:spcPct val="90000"/>
             </a:lnSpc>
@@ -5297,14 +5319,14 @@
             <a:buNone/>
           </a:pPr>
           <a:r>
-            <a:rPr lang="en-US" sz="2200" kern="1200" dirty="0"/>
-            <a:t>Diminishing returns on subsequent models, especially on tuning a single model even better</a:t>
+            <a:rPr lang="en-US" sz="1400" kern="1200" dirty="0"/>
+            <a:t>Diminishing returns on subsequent models, especially on tuning a single model for better performance</a:t>
           </a:r>
         </a:p>
       </dsp:txBody>
       <dsp:txXfrm>
-        <a:off x="1740935" y="644"/>
-        <a:ext cx="4410627" cy="1507303"/>
+        <a:off x="1765089" y="5150"/>
+        <a:ext cx="4246099" cy="1528998"/>
       </dsp:txXfrm>
     </dsp:sp>
     <dsp:sp modelId="{858F74EB-755B-4D8E-A93B-AE005797277A}">
@@ -5314,8 +5336,8 @@
       </dsp:nvSpPr>
       <dsp:spPr>
         <a:xfrm>
-          <a:off x="0" y="1884773"/>
-          <a:ext cx="6151562" cy="1507303"/>
+          <a:off x="0" y="1873925"/>
+          <a:ext cx="6151562" cy="1527504"/>
         </a:xfrm>
         <a:prstGeom prst="roundRect">
           <a:avLst>
@@ -5355,8 +5377,8 @@
       </dsp:nvSpPr>
       <dsp:spPr>
         <a:xfrm>
-          <a:off x="455959" y="2223916"/>
-          <a:ext cx="829016" cy="829016"/>
+          <a:off x="462070" y="2217614"/>
+          <a:ext cx="840948" cy="840127"/>
         </a:xfrm>
         <a:prstGeom prst="rect">
           <a:avLst/>
@@ -5372,6 +5394,7 @@
               </a:ext>
             </a:extLst>
           </a:blip>
+          <a:srcRect/>
           <a:stretch>
             <a:fillRect/>
           </a:stretch>
@@ -5404,8 +5427,8 @@
       </dsp:nvSpPr>
       <dsp:spPr>
         <a:xfrm>
-          <a:off x="1740935" y="1884773"/>
-          <a:ext cx="4410627" cy="1507303"/>
+          <a:off x="1765089" y="1873925"/>
+          <a:ext cx="4246099" cy="1528998"/>
         </a:xfrm>
         <a:prstGeom prst="rect">
           <a:avLst/>
@@ -5429,12 +5452,12 @@
         <a:fontRef idx="minor"/>
       </dsp:style>
       <dsp:txBody>
-        <a:bodyPr spcFirstLastPara="0" vert="horz" wrap="square" lIns="159523" tIns="159523" rIns="159523" bIns="159523" numCol="1" spcCol="1270" anchor="ctr" anchorCtr="0">
+        <a:bodyPr spcFirstLastPara="0" vert="horz" wrap="square" lIns="161819" tIns="161819" rIns="161819" bIns="161819" numCol="1" spcCol="1270" anchor="ctr" anchorCtr="0">
           <a:noAutofit/>
         </a:bodyPr>
         <a:lstStyle/>
         <a:p>
-          <a:pPr marL="0" lvl="0" indent="0" algn="l" defTabSz="977900">
+          <a:pPr marL="0" lvl="0" indent="0" algn="l" defTabSz="622300">
             <a:lnSpc>
               <a:spcPct val="90000"/>
             </a:lnSpc>
@@ -5447,14 +5470,14 @@
             <a:buNone/>
           </a:pPr>
           <a:r>
-            <a:rPr lang="en-US" sz="2200" kern="1200"/>
-            <a:t>The features with the greatest impact on the final model showed up with the greatest correlation in the initial look at the data</a:t>
+            <a:rPr lang="en-US" sz="1400" kern="1200" dirty="0"/>
+            <a:t>All models performed better on the unseen/set aside test set than on predicting the Kaggle test dataset </a:t>
           </a:r>
         </a:p>
       </dsp:txBody>
       <dsp:txXfrm>
-        <a:off x="1740935" y="1884773"/>
-        <a:ext cx="4410627" cy="1507303"/>
+        <a:off x="1765089" y="1873925"/>
+        <a:ext cx="4246099" cy="1528998"/>
       </dsp:txXfrm>
     </dsp:sp>
     <dsp:sp modelId="{4A0360CF-E6D9-4D55-811E-819E388A0E2A}">
@@ -5464,8 +5487,8 @@
       </dsp:nvSpPr>
       <dsp:spPr>
         <a:xfrm>
-          <a:off x="0" y="3768902"/>
-          <a:ext cx="6151562" cy="1507303"/>
+          <a:off x="0" y="3742701"/>
+          <a:ext cx="6151562" cy="1527504"/>
         </a:xfrm>
         <a:prstGeom prst="roundRect">
           <a:avLst>
@@ -5505,8 +5528,8 @@
       </dsp:nvSpPr>
       <dsp:spPr>
         <a:xfrm>
-          <a:off x="455959" y="4108045"/>
-          <a:ext cx="829016" cy="829016"/>
+          <a:off x="462521" y="4086389"/>
+          <a:ext cx="840948" cy="840127"/>
         </a:xfrm>
         <a:prstGeom prst="rect">
           <a:avLst/>
@@ -5555,8 +5578,8 @@
       </dsp:nvSpPr>
       <dsp:spPr>
         <a:xfrm>
-          <a:off x="1740935" y="3768902"/>
-          <a:ext cx="4410627" cy="1507303"/>
+          <a:off x="1765992" y="3742701"/>
+          <a:ext cx="4246099" cy="1528998"/>
         </a:xfrm>
         <a:prstGeom prst="rect">
           <a:avLst/>
@@ -5580,12 +5603,12 @@
         <a:fontRef idx="minor"/>
       </dsp:style>
       <dsp:txBody>
-        <a:bodyPr spcFirstLastPara="0" vert="horz" wrap="square" lIns="159523" tIns="159523" rIns="159523" bIns="159523" numCol="1" spcCol="1270" anchor="ctr" anchorCtr="0">
+        <a:bodyPr spcFirstLastPara="0" vert="horz" wrap="square" lIns="161819" tIns="161819" rIns="161819" bIns="161819" numCol="1" spcCol="1270" anchor="ctr" anchorCtr="0">
           <a:noAutofit/>
         </a:bodyPr>
         <a:lstStyle/>
         <a:p>
-          <a:pPr marL="0" lvl="0" indent="0" algn="l" defTabSz="977900">
+          <a:pPr marL="0" lvl="0" indent="0" algn="l" defTabSz="622300">
             <a:lnSpc>
               <a:spcPct val="90000"/>
             </a:lnSpc>
@@ -5598,14 +5621,40 @@
             <a:buNone/>
           </a:pPr>
           <a:r>
-            <a:rPr lang="en-US" sz="2200" kern="1200" dirty="0"/>
-            <a:t>There are a good deal of ways I could see improving my model further</a:t>
+            <a:rPr lang="en-US" sz="1400" kern="1200" dirty="0"/>
+            <a:t>Improvements may include more experimenting with how changes in data processing influences model performance.  </a:t>
+          </a:r>
+        </a:p>
+        <a:p>
+          <a:pPr marL="0" lvl="0" indent="0" algn="l" defTabSz="622300">
+            <a:lnSpc>
+              <a:spcPct val="90000"/>
+            </a:lnSpc>
+            <a:spcBef>
+              <a:spcPct val="0"/>
+            </a:spcBef>
+            <a:spcAft>
+              <a:spcPct val="35000"/>
+            </a:spcAft>
+            <a:buNone/>
+          </a:pPr>
+          <a:r>
+            <a:rPr lang="en-US" sz="1400" kern="1200" dirty="0"/>
+            <a:t>Additionally, there were more types of models or variations in model </a:t>
+          </a:r>
+          <a:r>
+            <a:rPr lang="en-US" sz="1400" kern="1200" dirty="0" err="1"/>
+            <a:t>ensembling</a:t>
+          </a:r>
+          <a:r>
+            <a:rPr lang="en-US" sz="1400" kern="1200" dirty="0"/>
+            <a:t> I was interested in applying to this dataset that realistic constraints didn’t allow for. </a:t>
           </a:r>
         </a:p>
       </dsp:txBody>
       <dsp:txXfrm>
-        <a:off x="1740935" y="3768902"/>
-        <a:ext cx="4410627" cy="1507303"/>
+        <a:off x="1765992" y="3742701"/>
+        <a:ext cx="4246099" cy="1528998"/>
       </dsp:txXfrm>
     </dsp:sp>
   </dsp:spTree>
@@ -9530,7 +9579,7 @@
           <a:p>
             <a:fld id="{1160EA64-D806-43AC-9DF2-F8C432F32B4C}" type="datetimeFigureOut">
               <a:rPr lang="en-US" dirty="0"/>
-              <a:t>5/10/2020</a:t>
+              <a:t>5/13/2020</a:t>
             </a:fld>
             <a:endParaRPr lang="en-US" dirty="0"/>
           </a:p>
@@ -9696,7 +9745,7 @@
           <a:p>
             <a:fld id="{E9F9C37B-1D36-470B-8223-D6C91242EC14}" type="datetimeFigureOut">
               <a:rPr lang="en-US" dirty="0"/>
-              <a:t>5/10/2020</a:t>
+              <a:t>5/13/2020</a:t>
             </a:fld>
             <a:endParaRPr lang="en-US" dirty="0"/>
           </a:p>
@@ -9871,7 +9920,7 @@
           <a:p>
             <a:fld id="{67C6F52A-A82B-47A2-A83A-8C4C91F2D59F}" type="datetimeFigureOut">
               <a:rPr lang="en-US" dirty="0"/>
-              <a:t>5/10/2020</a:t>
+              <a:t>5/13/2020</a:t>
             </a:fld>
             <a:endParaRPr lang="en-US" dirty="0"/>
           </a:p>
@@ -10036,7 +10085,7 @@
           <a:p>
             <a:fld id="{F070A7B3-6521-4DCA-87E5-044747A908C1}" type="datetimeFigureOut">
               <a:rPr lang="en-US" dirty="0"/>
-              <a:t>5/10/2020</a:t>
+              <a:t>5/13/2020</a:t>
             </a:fld>
             <a:endParaRPr lang="en-US" dirty="0"/>
           </a:p>
@@ -10300,7 +10349,7 @@
           <a:p>
             <a:fld id="{1160EA64-D806-43AC-9DF2-F8C432F32B4C}" type="datetimeFigureOut">
               <a:rPr lang="en-US" dirty="0"/>
-              <a:t>5/10/2020</a:t>
+              <a:t>5/13/2020</a:t>
             </a:fld>
             <a:endParaRPr lang="en-US" dirty="0"/>
           </a:p>
@@ -10528,7 +10577,7 @@
           <a:p>
             <a:fld id="{AB134690-1557-4C89-A502-4959FE7FAD70}" type="datetimeFigureOut">
               <a:rPr lang="en-US" dirty="0"/>
-              <a:t>5/10/2020</a:t>
+              <a:t>5/13/2020</a:t>
             </a:fld>
             <a:endParaRPr lang="en-US" dirty="0"/>
           </a:p>
@@ -10882,7 +10931,7 @@
           <a:p>
             <a:fld id="{4F7D4976-E339-4826-83B7-FBD03F55ECF8}" type="datetimeFigureOut">
               <a:rPr lang="en-US" dirty="0"/>
-              <a:t>5/10/2020</a:t>
+              <a:t>5/13/2020</a:t>
             </a:fld>
             <a:endParaRPr lang="en-US" dirty="0"/>
           </a:p>
@@ -11018,7 +11067,7 @@
           <a:p>
             <a:fld id="{E1037C31-9E7A-4F99-8774-A0E530DE1A42}" type="datetimeFigureOut">
               <a:rPr lang="en-US" dirty="0"/>
-              <a:t>5/10/2020</a:t>
+              <a:t>5/13/2020</a:t>
             </a:fld>
             <a:endParaRPr lang="en-US" dirty="0"/>
           </a:p>
@@ -11108,7 +11157,7 @@
           <a:p>
             <a:fld id="{C278504F-A551-4DE0-9316-4DCD1D8CC752}" type="datetimeFigureOut">
               <a:rPr lang="en-US" dirty="0"/>
-              <a:t>5/10/2020</a:t>
+              <a:t>5/13/2020</a:t>
             </a:fld>
             <a:endParaRPr lang="en-US" dirty="0"/>
           </a:p>
@@ -11460,7 +11509,7 @@
           <a:p>
             <a:fld id="{D1BE4249-C0D0-4B06-8692-E8BB871AF643}" type="datetimeFigureOut">
               <a:rPr lang="en-US" dirty="0"/>
-              <a:t>5/10/2020</a:t>
+              <a:t>5/13/2020</a:t>
             </a:fld>
             <a:endParaRPr lang="en-US" dirty="0"/>
           </a:p>
@@ -11812,7 +11861,7 @@
           <a:p>
             <a:fld id="{042B0DB6-F5C7-45FB-8CF3-31B45F9C2DAC}" type="datetimeFigureOut">
               <a:rPr lang="en-US" dirty="0"/>
-              <a:t>5/10/2020</a:t>
+              <a:t>5/13/2020</a:t>
             </a:fld>
             <a:endParaRPr lang="en-US" dirty="0"/>
           </a:p>
@@ -12049,7 +12098,7 @@
           <a:p>
             <a:fld id="{1160EA64-D806-43AC-9DF2-F8C432F32B4C}" type="datetimeFigureOut">
               <a:rPr lang="en-US" dirty="0"/>
-              <a:t>5/10/2020</a:t>
+              <a:t>5/13/2020</a:t>
             </a:fld>
             <a:endParaRPr lang="en-US" dirty="0"/>
           </a:p>
@@ -12721,12 +12770,88 @@
           <a:chExt cx="0" cy="0"/>
         </a:xfrm>
       </p:grpSpPr>
-      <p:sp useBgFill="1">
+      <p:sp>
         <p:nvSpPr>
-          <p:cNvPr id="40" name="Rectangle 39">
+          <p:cNvPr id="2" name="Title 1">
             <a:extLst>
               <a:ext uri="{FF2B5EF4-FFF2-40B4-BE49-F238E27FC236}">
-                <a16:creationId xmlns:a16="http://schemas.microsoft.com/office/drawing/2014/main" id="{1660E788-AFA9-4A1B-9991-6AA74632A15B}"/>
+                <a16:creationId xmlns:a16="http://schemas.microsoft.com/office/drawing/2014/main" id="{2F5DE7AF-8302-481E-BB44-0205B8BDA2F4}"/>
+              </a:ext>
+            </a:extLst>
+          </p:cNvPr>
+          <p:cNvSpPr>
+            <a:spLocks noGrp="1"/>
+          </p:cNvSpPr>
+          <p:nvPr>
+            <p:ph type="title"/>
+          </p:nvPr>
+        </p:nvSpPr>
+        <p:spPr>
+          <a:xfrm>
+            <a:off x="804671" y="964692"/>
+            <a:ext cx="5928637" cy="1188720"/>
+          </a:xfrm>
+        </p:spPr>
+        <p:txBody>
+          <a:bodyPr vert="horz" lIns="182880" tIns="182880" rIns="182880" bIns="182880" rtlCol="0" anchor="ctr" anchorCtr="1">
+            <a:normAutofit/>
+          </a:bodyPr>
+          <a:lstStyle/>
+          <a:p>
+            <a:r>
+              <a:rPr lang="en-US"/>
+              <a:t>skewedness</a:t>
+            </a:r>
+          </a:p>
+        </p:txBody>
+      </p:sp>
+      <p:sp>
+        <p:nvSpPr>
+          <p:cNvPr id="17" name="Content Placeholder 16">
+            <a:extLst>
+              <a:ext uri="{FF2B5EF4-FFF2-40B4-BE49-F238E27FC236}">
+                <a16:creationId xmlns:a16="http://schemas.microsoft.com/office/drawing/2014/main" id="{A6B39A99-C430-4F45-B2B2-F13060A2494C}"/>
+              </a:ext>
+            </a:extLst>
+          </p:cNvPr>
+          <p:cNvSpPr>
+            <a:spLocks noGrp="1"/>
+          </p:cNvSpPr>
+          <p:nvPr>
+            <p:ph sz="half" idx="1"/>
+          </p:nvPr>
+        </p:nvSpPr>
+        <p:spPr>
+          <a:xfrm>
+            <a:off x="804672" y="2638044"/>
+            <a:ext cx="5925312" cy="3101983"/>
+          </a:xfrm>
+        </p:spPr>
+        <p:txBody>
+          <a:bodyPr vert="horz" lIns="91440" tIns="45720" rIns="91440" bIns="45720" rtlCol="0">
+            <a:normAutofit/>
+          </a:bodyPr>
+          <a:lstStyle/>
+          <a:p>
+            <a:r>
+              <a:rPr lang="en-US" dirty="0"/>
+              <a:t>A handful of variables had a significant skew to the right, with a long tail for higher values (Predominantly the ‘square footage’ features, but notably the target variable).</a:t>
+            </a:r>
+          </a:p>
+          <a:p>
+            <a:r>
+              <a:rPr lang="en-US" dirty="0"/>
+              <a:t>The log of these variables were used so that high values would hopefully cause less of a bias in the models</a:t>
+            </a:r>
+          </a:p>
+        </p:txBody>
+      </p:sp>
+      <p:sp>
+        <p:nvSpPr>
+          <p:cNvPr id="27" name="Rectangle 26">
+            <a:extLst>
+              <a:ext uri="{FF2B5EF4-FFF2-40B4-BE49-F238E27FC236}">
+                <a16:creationId xmlns:a16="http://schemas.microsoft.com/office/drawing/2014/main" id="{E3BC0364-4B58-4841-A227-00A6A59E02C6}"/>
               </a:ext>
               <a:ext uri="{C183D7F6-B498-43B3-948B-1728B52AA6E4}">
                 <adec:decorative xmlns:adec="http://schemas.microsoft.com/office/drawing/2017/decorative" val="1"/>
@@ -12746,12 +12871,15 @@
         </p:nvSpPr>
         <p:spPr>
           <a:xfrm>
-            <a:off x="0" y="0"/>
-            <a:ext cx="12191999" cy="6858000"/>
+            <a:off x="7534656" y="-2"/>
+            <a:ext cx="4657344" cy="6858002"/>
           </a:xfrm>
           <a:prstGeom prst="rect">
             <a:avLst/>
           </a:prstGeom>
+          <a:solidFill>
+            <a:schemeClr val="accent2"/>
+          </a:solidFill>
           <a:ln>
             <a:noFill/>
           </a:ln>
@@ -12783,10 +12911,10 @@
       </p:sp>
       <p:sp>
         <p:nvSpPr>
-          <p:cNvPr id="42" name="Rectangle 41">
+          <p:cNvPr id="29" name="Rectangle 28">
             <a:extLst>
               <a:ext uri="{FF2B5EF4-FFF2-40B4-BE49-F238E27FC236}">
-                <a16:creationId xmlns:a16="http://schemas.microsoft.com/office/drawing/2014/main" id="{867D4867-5BA7-4462-B2F6-A23F4A622AA7}"/>
+                <a16:creationId xmlns:a16="http://schemas.microsoft.com/office/drawing/2014/main" id="{A029A1F4-D02D-48E4-9331-6870B23B4FAF}"/>
               </a:ext>
               <a:ext uri="{C183D7F6-B498-43B3-948B-1728B52AA6E4}">
                 <adec:decorative xmlns:adec="http://schemas.microsoft.com/office/drawing/2017/decorative" val="1"/>
@@ -12806,28 +12934,31 @@
         </p:nvSpPr>
         <p:spPr>
           <a:xfrm>
-            <a:off x="-1" y="0"/>
-            <a:ext cx="7544653" cy="6858000"/>
+            <a:off x="8020813" y="479893"/>
+            <a:ext cx="3685031" cy="5458969"/>
           </a:xfrm>
           <a:prstGeom prst="rect">
             <a:avLst/>
           </a:prstGeom>
-          <a:solidFill>
-            <a:schemeClr val="tx2"/>
-          </a:solidFill>
-          <a:ln>
-            <a:noFill/>
+          <a:noFill/>
+          <a:ln w="31750" cap="sq">
+            <a:solidFill>
+              <a:srgbClr val="FFFFFF"/>
+            </a:solidFill>
+            <a:miter lim="800000"/>
           </a:ln>
         </p:spPr>
         <p:style>
-          <a:lnRef idx="0">
-            <a:scrgbClr r="0" g="0" b="0"/>
+          <a:lnRef idx="2">
+            <a:schemeClr val="accent1">
+              <a:shade val="50000"/>
+            </a:schemeClr>
           </a:lnRef>
-          <a:fillRef idx="0">
-            <a:scrgbClr r="0" g="0" b="0"/>
+          <a:fillRef idx="1">
+            <a:schemeClr val="accent1"/>
           </a:fillRef>
           <a:effectRef idx="0">
-            <a:scrgbClr r="0" g="0" b="0"/>
+            <a:schemeClr val="accent1"/>
           </a:effectRef>
           <a:fontRef idx="minor">
             <a:schemeClr val="lt1"/>
@@ -12838,88 +12969,70 @@
           <a:lstStyle/>
           <a:p>
             <a:pPr algn="ctr"/>
-            <a:endParaRPr lang="en-US"/>
+            <a:endParaRPr lang="en-US" dirty="0"/>
           </a:p>
         </p:txBody>
       </p:sp>
       <p:sp>
         <p:nvSpPr>
-          <p:cNvPr id="2" name="Title 1">
+          <p:cNvPr id="31" name="Rectangle 30">
             <a:extLst>
               <a:ext uri="{FF2B5EF4-FFF2-40B4-BE49-F238E27FC236}">
-                <a16:creationId xmlns:a16="http://schemas.microsoft.com/office/drawing/2014/main" id="{BD6BEF01-2F32-4D78-AB3D-08715BF8498B}"/>
+                <a16:creationId xmlns:a16="http://schemas.microsoft.com/office/drawing/2014/main" id="{D06A8CF3-711E-4C63-9DD5-53A2696C0D6F}"/>
+              </a:ext>
+              <a:ext uri="{C183D7F6-B498-43B3-948B-1728B52AA6E4}">
+                <adec:decorative xmlns:adec="http://schemas.microsoft.com/office/drawing/2017/decorative" val="1"/>
               </a:ext>
             </a:extLst>
           </p:cNvPr>
           <p:cNvSpPr>
-            <a:spLocks noGrp="1"/>
+            <a:spLocks noGrp="1" noRot="1" noChangeAspect="1" noMove="1" noResize="1" noEditPoints="1" noAdjustHandles="1" noChangeArrowheads="1" noChangeShapeType="1" noTextEdit="1"/>
           </p:cNvSpPr>
           <p:nvPr>
-            <p:ph type="title"/>
+            <p:extLst>
+              <p:ext uri="{386F3935-93C4-4BCD-93E2-E3B085C9AB24}">
+                <p16:designElem xmlns:p16="http://schemas.microsoft.com/office/powerpoint/2015/main" val="1"/>
+              </p:ext>
+            </p:extLst>
           </p:nvPr>
         </p:nvSpPr>
         <p:spPr>
           <a:xfrm>
-            <a:off x="643466" y="643467"/>
-            <a:ext cx="6242719" cy="1728044"/>
+            <a:off x="8186411" y="644485"/>
+            <a:ext cx="3353835" cy="5129784"/>
           </a:xfrm>
-          <a:noFill/>
+          <a:prstGeom prst="rect">
+            <a:avLst/>
+          </a:prstGeom>
+          <a:solidFill>
+            <a:srgbClr val="FFFFFF"/>
+          </a:solidFill>
           <a:ln>
-            <a:solidFill>
-              <a:schemeClr val="bg1"/>
-            </a:solidFill>
+            <a:noFill/>
           </a:ln>
         </p:spPr>
+        <p:style>
+          <a:lnRef idx="2">
+            <a:schemeClr val="accent1">
+              <a:shade val="50000"/>
+            </a:schemeClr>
+          </a:lnRef>
+          <a:fillRef idx="1">
+            <a:schemeClr val="accent1"/>
+          </a:fillRef>
+          <a:effectRef idx="0">
+            <a:schemeClr val="accent1"/>
+          </a:effectRef>
+          <a:fontRef idx="minor">
+            <a:schemeClr val="lt1"/>
+          </a:fontRef>
+        </p:style>
         <p:txBody>
-          <a:bodyPr vert="horz" wrap="square" lIns="182880" tIns="182880" rIns="182880" bIns="182880" rtlCol="0" anchor="ctr">
-            <a:normAutofit/>
-          </a:bodyPr>
+          <a:bodyPr rtlCol="0" anchor="ctr"/>
           <a:lstStyle/>
           <a:p>
-            <a:r>
-              <a:rPr lang="en-US" dirty="0">
-                <a:solidFill>
-                  <a:schemeClr val="bg1"/>
-                </a:solidFill>
-              </a:rPr>
-              <a:t>Outliers</a:t>
-            </a:r>
-          </a:p>
-        </p:txBody>
-      </p:sp>
-      <p:sp>
-        <p:nvSpPr>
-          <p:cNvPr id="12" name="Content Placeholder 11">
-            <a:extLst>
-              <a:ext uri="{FF2B5EF4-FFF2-40B4-BE49-F238E27FC236}">
-                <a16:creationId xmlns:a16="http://schemas.microsoft.com/office/drawing/2014/main" id="{CE956BB6-19F7-4AA3-9756-DEB8877A4812}"/>
-              </a:ext>
-            </a:extLst>
-          </p:cNvPr>
-          <p:cNvSpPr>
-            <a:spLocks noGrp="1"/>
-          </p:cNvSpPr>
-          <p:nvPr>
-            <p:ph sz="half" idx="1"/>
-          </p:nvPr>
-        </p:nvSpPr>
-        <p:spPr>
-          <a:xfrm>
-            <a:off x="643467" y="2638044"/>
-            <a:ext cx="6242715" cy="3415622"/>
-          </a:xfrm>
-        </p:spPr>
-        <p:txBody>
-          <a:bodyPr vert="horz" lIns="91440" tIns="45720" rIns="91440" bIns="45720" rtlCol="0">
-            <a:normAutofit/>
-          </a:bodyPr>
-          <a:lstStyle/>
-          <a:p>
-            <a:endParaRPr lang="en-US" dirty="0">
-              <a:solidFill>
-                <a:schemeClr val="bg1"/>
-              </a:solidFill>
-            </a:endParaRPr>
+            <a:pPr algn="ctr"/>
+            <a:endParaRPr lang="en-US"/>
           </a:p>
         </p:txBody>
       </p:sp>
@@ -12928,7 +13041,7 @@
           <p:cNvPr id="8" name="Content Placeholder 7">
             <a:extLst>
               <a:ext uri="{FF2B5EF4-FFF2-40B4-BE49-F238E27FC236}">
-                <a16:creationId xmlns:a16="http://schemas.microsoft.com/office/drawing/2014/main" id="{6CED0E9D-DCDB-4C78-816D-ED27FD6F418B}"/>
+                <a16:creationId xmlns:a16="http://schemas.microsoft.com/office/drawing/2014/main" id="{A3DCF216-83E1-41B2-BDA1-959A449A6AE3}"/>
               </a:ext>
             </a:extLst>
           </p:cNvPr>
@@ -12939,14 +13052,15 @@
             <p:ph sz="half" idx="2"/>
           </p:nvPr>
         </p:nvPicPr>
-        <p:blipFill>
+        <p:blipFill rotWithShape="1">
           <a:blip r:embed="rId2"/>
+          <a:srcRect t="18823" r="4" b="578"/>
           <a:stretch/>
         </p:blipFill>
         <p:spPr>
           <a:xfrm>
-            <a:off x="7544652" y="0"/>
-            <a:ext cx="4647348" cy="3428999"/>
+            <a:off x="8340435" y="822036"/>
+            <a:ext cx="3026664" cy="2348100"/>
           </a:xfrm>
           <a:prstGeom prst="rect">
             <a:avLst/>
@@ -12958,7 +13072,7 @@
           <p:cNvPr id="6" name="Content Placeholder 5">
             <a:extLst>
               <a:ext uri="{FF2B5EF4-FFF2-40B4-BE49-F238E27FC236}">
-                <a16:creationId xmlns:a16="http://schemas.microsoft.com/office/drawing/2014/main" id="{0CC6D36C-F5C6-4031-B5EF-821D678546D9}"/>
+                <a16:creationId xmlns:a16="http://schemas.microsoft.com/office/drawing/2014/main" id="{D37EAA55-DD41-479C-A1DF-6BC663448E92}"/>
               </a:ext>
             </a:extLst>
           </p:cNvPr>
@@ -12967,14 +13081,15 @@
           </p:cNvPicPr>
           <p:nvPr/>
         </p:nvPicPr>
-        <p:blipFill>
+        <p:blipFill rotWithShape="1">
           <a:blip r:embed="rId3"/>
+          <a:srcRect t="19396" r="4" b="4"/>
           <a:stretch/>
         </p:blipFill>
         <p:spPr>
           <a:xfrm>
-            <a:off x="7544652" y="3429001"/>
-            <a:ext cx="4647348" cy="3429000"/>
+            <a:off x="8340435" y="3255097"/>
+            <a:ext cx="3026664" cy="2348100"/>
           </a:xfrm>
           <a:prstGeom prst="rect">
             <a:avLst/>
@@ -12984,7 +13099,7 @@
     </p:spTree>
     <p:extLst>
       <p:ext uri="{BB962C8B-B14F-4D97-AF65-F5344CB8AC3E}">
-        <p14:creationId xmlns:p14="http://schemas.microsoft.com/office/powerpoint/2010/main" val="219997245"/>
+        <p14:creationId xmlns:p14="http://schemas.microsoft.com/office/powerpoint/2010/main" val="905405225"/>
       </p:ext>
     </p:extLst>
   </p:cSld>
@@ -13571,11 +13686,28 @@
         </p:spPr>
         <p:txBody>
           <a:bodyPr>
-            <a:normAutofit/>
+            <a:normAutofit fontScale="85000" lnSpcReduction="10000"/>
           </a:bodyPr>
           <a:lstStyle/>
           <a:p>
-            <a:endParaRPr lang="en-US"/>
+            <a:r>
+              <a:rPr lang="en-US" dirty="0"/>
+              <a:t>The Average Ensemble model had the best performance on my test set, but it was narrowly outperformed by the </a:t>
+            </a:r>
+            <a:r>
+              <a:rPr lang="en-US" dirty="0" err="1"/>
+              <a:t>XGBoost</a:t>
+            </a:r>
+            <a:r>
+              <a:rPr lang="en-US" dirty="0"/>
+              <a:t> model on the Kaggle leaderboard. Averaging can help reduce overfitting of any one model.</a:t>
+            </a:r>
+          </a:p>
+          <a:p>
+            <a:r>
+              <a:rPr lang="en-US" dirty="0"/>
+              <a:t>Stacking Ensemble in theory builds on the different strengths of different models. Its poorer performance suggests to me that the base models may use similar information to predict values</a:t>
+            </a:r>
           </a:p>
         </p:txBody>
       </p:sp>
@@ -13721,14 +13853,14 @@
           <p:nvPr>
             <p:extLst>
               <p:ext uri="{D42A27DB-BD31-4B8C-83A1-F6EECF244321}">
-                <p14:modId xmlns:p14="http://schemas.microsoft.com/office/powerpoint/2010/main" val="1476798598"/>
+                <p14:modId xmlns:p14="http://schemas.microsoft.com/office/powerpoint/2010/main" val="2909899810"/>
               </p:ext>
             </p:extLst>
           </p:nvPr>
         </p:nvGraphicFramePr>
         <p:xfrm>
           <a:off x="5015801" y="1293275"/>
-          <a:ext cx="5842195" cy="4279394"/>
+          <a:ext cx="5842195" cy="4271734"/>
         </p:xfrm>
         <a:graphic>
           <a:graphicData uri="http://schemas.openxmlformats.org/drawingml/2006/table">
@@ -13760,7 +13892,7 @@
                   </a:extLst>
                 </a:gridCol>
               </a:tblGrid>
-              <a:tr h="833897">
+              <a:tr h="794960">
                 <a:tc>
                   <a:txBody>
                     <a:bodyPr/>
@@ -13878,7 +14010,7 @@
                   </a:ext>
                 </a:extLst>
               </a:tr>
-              <a:tr h="539162">
+              <a:tr h="513987">
                 <a:tc>
                   <a:txBody>
                     <a:bodyPr/>
@@ -13990,7 +14122,7 @@
                   </a:ext>
                 </a:extLst>
               </a:tr>
-              <a:tr h="539162">
+              <a:tr h="513987">
                 <a:tc>
                   <a:txBody>
                     <a:bodyPr/>
@@ -14148,7 +14280,7 @@
                   </a:ext>
                 </a:extLst>
               </a:tr>
-              <a:tr h="539162">
+              <a:tr h="513987">
                 <a:tc>
                   <a:txBody>
                     <a:bodyPr/>
@@ -14260,7 +14392,7 @@
                   </a:ext>
                 </a:extLst>
               </a:tr>
-              <a:tr h="539162">
+              <a:tr h="513987">
                 <a:tc>
                   <a:txBody>
                     <a:bodyPr/>
@@ -14384,19 +14516,19 @@
                   </a:ext>
                 </a:extLst>
               </a:tr>
-              <a:tr h="539162">
+              <a:tr h="671922">
                 <a:tc>
                   <a:txBody>
                     <a:bodyPr/>
                     <a:lstStyle/>
                     <a:p>
                       <a:r>
-                        <a:rPr lang="en-US" sz="1400" cap="none" spc="0">
+                        <a:rPr lang="en-US" sz="1400" cap="none" spc="0" dirty="0">
                           <a:solidFill>
                             <a:schemeClr val="tx1"/>
                           </a:solidFill>
                         </a:rPr>
-                        <a:t>Average Ensemble</a:t>
+                        <a:t>Average Ensemble (Ridge, RF, GBM, XGB)</a:t>
                       </a:r>
                     </a:p>
                   </a:txBody>
@@ -14513,14 +14645,14 @@
                   </a:ext>
                 </a:extLst>
               </a:tr>
-              <a:tr h="749687">
+              <a:tr h="714682">
                 <a:tc>
                   <a:txBody>
                     <a:bodyPr/>
                     <a:lstStyle/>
                     <a:p>
                       <a:r>
-                        <a:rPr lang="en-US" sz="1400" cap="none" spc="0">
+                        <a:rPr lang="en-US" sz="1400" cap="none" spc="0" dirty="0">
                           <a:solidFill>
                             <a:schemeClr val="tx1"/>
                           </a:solidFill>
@@ -14598,7 +14730,7 @@
                     <a:lstStyle/>
                     <a:p>
                       <a:r>
-                        <a:rPr lang="en-US" sz="1400" cap="none" spc="0">
+                        <a:rPr lang="en-US" sz="1400" cap="none" spc="0" dirty="0">
                           <a:solidFill>
                             <a:schemeClr val="tx1"/>
                           </a:solidFill>
@@ -14751,6 +14883,12 @@
             <a:r>
               <a:rPr lang="en-US" dirty="0"/>
               <a:t> had the best performance</a:t>
+            </a:r>
+          </a:p>
+          <a:p>
+            <a:r>
+              <a:rPr lang="en-US" dirty="0"/>
+              <a:t>Utilized lambda regularization parameter (L2 norm) to reduce overfitting</a:t>
             </a:r>
           </a:p>
           <a:p>
@@ -15938,11 +16076,38 @@
         </p:spPr>
         <p:txBody>
           <a:bodyPr>
-            <a:normAutofit/>
+            <a:normAutofit fontScale="92500"/>
           </a:bodyPr>
           <a:lstStyle/>
           <a:p>
-            <a:endParaRPr lang="en-US"/>
+            <a:pPr>
+              <a:buFont typeface="Wingdings" panose="05000000000000000000" pitchFamily="2" charset="2"/>
+              <a:buChar char="v"/>
+            </a:pPr>
+            <a:r>
+              <a:rPr lang="en-US" dirty="0"/>
+              <a:t>‘Overall Quality’ was the single most important predictor in every model</a:t>
+            </a:r>
+          </a:p>
+          <a:p>
+            <a:pPr>
+              <a:buFont typeface="Wingdings" panose="05000000000000000000" pitchFamily="2" charset="2"/>
+              <a:buChar char="v"/>
+            </a:pPr>
+            <a:r>
+              <a:rPr lang="en-US" dirty="0"/>
+              <a:t>Other important variables include other quality-related features and size-related features</a:t>
+            </a:r>
+          </a:p>
+          <a:p>
+            <a:pPr>
+              <a:buFont typeface="Wingdings" panose="05000000000000000000" pitchFamily="2" charset="2"/>
+              <a:buChar char="v"/>
+            </a:pPr>
+            <a:r>
+              <a:rPr lang="en-US" dirty="0"/>
+              <a:t>Most of these variables also showed up with the highest correlation with sale price in the initial data exploration </a:t>
+            </a:r>
           </a:p>
         </p:txBody>
       </p:sp>
@@ -16327,7 +16492,7 @@
             <p:ph idx="1"/>
             <p:extLst>
               <p:ext uri="{D42A27DB-BD31-4B8C-83A1-F6EECF244321}">
-                <p14:modId xmlns:p14="http://schemas.microsoft.com/office/powerpoint/2010/main" val="1099325680"/>
+                <p14:modId xmlns:p14="http://schemas.microsoft.com/office/powerpoint/2010/main" val="710174634"/>
               </p:ext>
             </p:extLst>
           </p:nvPr>
@@ -18072,372 +18237,6 @@
     <p:bg>
       <p:bgPr>
         <a:solidFill>
-          <a:schemeClr val="bg1">
-            <a:lumMod val="95000"/>
-          </a:schemeClr>
-        </a:solidFill>
-        <a:effectLst/>
-      </p:bgPr>
-    </p:bg>
-    <p:spTree>
-      <p:nvGrpSpPr>
-        <p:cNvPr id="1" name=""/>
-        <p:cNvGrpSpPr/>
-        <p:nvPr/>
-      </p:nvGrpSpPr>
-      <p:grpSpPr>
-        <a:xfrm>
-          <a:off x="0" y="0"/>
-          <a:ext cx="0" cy="0"/>
-          <a:chOff x="0" y="0"/>
-          <a:chExt cx="0" cy="0"/>
-        </a:xfrm>
-      </p:grpSpPr>
-      <p:sp>
-        <p:nvSpPr>
-          <p:cNvPr id="2" name="Title 1">
-            <a:extLst>
-              <a:ext uri="{FF2B5EF4-FFF2-40B4-BE49-F238E27FC236}">
-                <a16:creationId xmlns:a16="http://schemas.microsoft.com/office/drawing/2014/main" id="{2F5DE7AF-8302-481E-BB44-0205B8BDA2F4}"/>
-              </a:ext>
-            </a:extLst>
-          </p:cNvPr>
-          <p:cNvSpPr>
-            <a:spLocks noGrp="1"/>
-          </p:cNvSpPr>
-          <p:nvPr>
-            <p:ph type="title"/>
-          </p:nvPr>
-        </p:nvSpPr>
-        <p:spPr>
-          <a:xfrm>
-            <a:off x="804671" y="964692"/>
-            <a:ext cx="5928637" cy="1188720"/>
-          </a:xfrm>
-        </p:spPr>
-        <p:txBody>
-          <a:bodyPr vert="horz" lIns="182880" tIns="182880" rIns="182880" bIns="182880" rtlCol="0" anchor="ctr" anchorCtr="1">
-            <a:normAutofit/>
-          </a:bodyPr>
-          <a:lstStyle/>
-          <a:p>
-            <a:r>
-              <a:rPr lang="en-US"/>
-              <a:t>skewedness</a:t>
-            </a:r>
-          </a:p>
-        </p:txBody>
-      </p:sp>
-      <p:sp>
-        <p:nvSpPr>
-          <p:cNvPr id="17" name="Content Placeholder 16">
-            <a:extLst>
-              <a:ext uri="{FF2B5EF4-FFF2-40B4-BE49-F238E27FC236}">
-                <a16:creationId xmlns:a16="http://schemas.microsoft.com/office/drawing/2014/main" id="{A6B39A99-C430-4F45-B2B2-F13060A2494C}"/>
-              </a:ext>
-            </a:extLst>
-          </p:cNvPr>
-          <p:cNvSpPr>
-            <a:spLocks noGrp="1"/>
-          </p:cNvSpPr>
-          <p:nvPr>
-            <p:ph sz="half" idx="1"/>
-          </p:nvPr>
-        </p:nvSpPr>
-        <p:spPr>
-          <a:xfrm>
-            <a:off x="804672" y="2638044"/>
-            <a:ext cx="5925312" cy="3101983"/>
-          </a:xfrm>
-        </p:spPr>
-        <p:txBody>
-          <a:bodyPr vert="horz" lIns="91440" tIns="45720" rIns="91440" bIns="45720" rtlCol="0">
-            <a:normAutofit/>
-          </a:bodyPr>
-          <a:lstStyle/>
-          <a:p>
-            <a:r>
-              <a:rPr lang="en-US"/>
-              <a:t>A handful of variables had a significant skew to the right, with a long tail for higher values (Predominantly the ‘square footage’ features, but notably the target variable).</a:t>
-            </a:r>
-          </a:p>
-          <a:p>
-            <a:r>
-              <a:rPr lang="en-US"/>
-              <a:t>The log of the these variables were used so that high values would hopefully cause less of a bias in the models</a:t>
-            </a:r>
-          </a:p>
-        </p:txBody>
-      </p:sp>
-      <p:sp>
-        <p:nvSpPr>
-          <p:cNvPr id="27" name="Rectangle 26">
-            <a:extLst>
-              <a:ext uri="{FF2B5EF4-FFF2-40B4-BE49-F238E27FC236}">
-                <a16:creationId xmlns:a16="http://schemas.microsoft.com/office/drawing/2014/main" id="{E3BC0364-4B58-4841-A227-00A6A59E02C6}"/>
-              </a:ext>
-              <a:ext uri="{C183D7F6-B498-43B3-948B-1728B52AA6E4}">
-                <adec:decorative xmlns:adec="http://schemas.microsoft.com/office/drawing/2017/decorative" val="1"/>
-              </a:ext>
-            </a:extLst>
-          </p:cNvPr>
-          <p:cNvSpPr>
-            <a:spLocks noGrp="1" noRot="1" noChangeAspect="1" noMove="1" noResize="1" noEditPoints="1" noAdjustHandles="1" noChangeArrowheads="1" noChangeShapeType="1" noTextEdit="1"/>
-          </p:cNvSpPr>
-          <p:nvPr>
-            <p:extLst>
-              <p:ext uri="{386F3935-93C4-4BCD-93E2-E3B085C9AB24}">
-                <p16:designElem xmlns:p16="http://schemas.microsoft.com/office/powerpoint/2015/main" val="1"/>
-              </p:ext>
-            </p:extLst>
-          </p:nvPr>
-        </p:nvSpPr>
-        <p:spPr>
-          <a:xfrm>
-            <a:off x="7534656" y="-2"/>
-            <a:ext cx="4657344" cy="6858002"/>
-          </a:xfrm>
-          <a:prstGeom prst="rect">
-            <a:avLst/>
-          </a:prstGeom>
-          <a:solidFill>
-            <a:schemeClr val="accent2"/>
-          </a:solidFill>
-          <a:ln>
-            <a:noFill/>
-          </a:ln>
-        </p:spPr>
-        <p:style>
-          <a:lnRef idx="2">
-            <a:schemeClr val="accent1">
-              <a:shade val="50000"/>
-            </a:schemeClr>
-          </a:lnRef>
-          <a:fillRef idx="1">
-            <a:schemeClr val="accent1"/>
-          </a:fillRef>
-          <a:effectRef idx="0">
-            <a:schemeClr val="accent1"/>
-          </a:effectRef>
-          <a:fontRef idx="minor">
-            <a:schemeClr val="lt1"/>
-          </a:fontRef>
-        </p:style>
-        <p:txBody>
-          <a:bodyPr rtlCol="0" anchor="ctr"/>
-          <a:lstStyle/>
-          <a:p>
-            <a:pPr algn="ctr"/>
-            <a:endParaRPr lang="en-US"/>
-          </a:p>
-        </p:txBody>
-      </p:sp>
-      <p:sp>
-        <p:nvSpPr>
-          <p:cNvPr id="29" name="Rectangle 28">
-            <a:extLst>
-              <a:ext uri="{FF2B5EF4-FFF2-40B4-BE49-F238E27FC236}">
-                <a16:creationId xmlns:a16="http://schemas.microsoft.com/office/drawing/2014/main" id="{A029A1F4-D02D-48E4-9331-6870B23B4FAF}"/>
-              </a:ext>
-              <a:ext uri="{C183D7F6-B498-43B3-948B-1728B52AA6E4}">
-                <adec:decorative xmlns:adec="http://schemas.microsoft.com/office/drawing/2017/decorative" val="1"/>
-              </a:ext>
-            </a:extLst>
-          </p:cNvPr>
-          <p:cNvSpPr>
-            <a:spLocks noGrp="1" noRot="1" noChangeAspect="1" noMove="1" noResize="1" noEditPoints="1" noAdjustHandles="1" noChangeArrowheads="1" noChangeShapeType="1" noTextEdit="1"/>
-          </p:cNvSpPr>
-          <p:nvPr>
-            <p:extLst>
-              <p:ext uri="{386F3935-93C4-4BCD-93E2-E3B085C9AB24}">
-                <p16:designElem xmlns:p16="http://schemas.microsoft.com/office/powerpoint/2015/main" val="1"/>
-              </p:ext>
-            </p:extLst>
-          </p:nvPr>
-        </p:nvSpPr>
-        <p:spPr>
-          <a:xfrm>
-            <a:off x="8020813" y="479893"/>
-            <a:ext cx="3685031" cy="5458969"/>
-          </a:xfrm>
-          <a:prstGeom prst="rect">
-            <a:avLst/>
-          </a:prstGeom>
-          <a:noFill/>
-          <a:ln w="31750" cap="sq">
-            <a:solidFill>
-              <a:srgbClr val="FFFFFF"/>
-            </a:solidFill>
-            <a:miter lim="800000"/>
-          </a:ln>
-        </p:spPr>
-        <p:style>
-          <a:lnRef idx="2">
-            <a:schemeClr val="accent1">
-              <a:shade val="50000"/>
-            </a:schemeClr>
-          </a:lnRef>
-          <a:fillRef idx="1">
-            <a:schemeClr val="accent1"/>
-          </a:fillRef>
-          <a:effectRef idx="0">
-            <a:schemeClr val="accent1"/>
-          </a:effectRef>
-          <a:fontRef idx="minor">
-            <a:schemeClr val="lt1"/>
-          </a:fontRef>
-        </p:style>
-        <p:txBody>
-          <a:bodyPr rtlCol="0" anchor="ctr"/>
-          <a:lstStyle/>
-          <a:p>
-            <a:pPr algn="ctr"/>
-            <a:endParaRPr lang="en-US" dirty="0"/>
-          </a:p>
-        </p:txBody>
-      </p:sp>
-      <p:sp>
-        <p:nvSpPr>
-          <p:cNvPr id="31" name="Rectangle 30">
-            <a:extLst>
-              <a:ext uri="{FF2B5EF4-FFF2-40B4-BE49-F238E27FC236}">
-                <a16:creationId xmlns:a16="http://schemas.microsoft.com/office/drawing/2014/main" id="{D06A8CF3-711E-4C63-9DD5-53A2696C0D6F}"/>
-              </a:ext>
-              <a:ext uri="{C183D7F6-B498-43B3-948B-1728B52AA6E4}">
-                <adec:decorative xmlns:adec="http://schemas.microsoft.com/office/drawing/2017/decorative" val="1"/>
-              </a:ext>
-            </a:extLst>
-          </p:cNvPr>
-          <p:cNvSpPr>
-            <a:spLocks noGrp="1" noRot="1" noChangeAspect="1" noMove="1" noResize="1" noEditPoints="1" noAdjustHandles="1" noChangeArrowheads="1" noChangeShapeType="1" noTextEdit="1"/>
-          </p:cNvSpPr>
-          <p:nvPr>
-            <p:extLst>
-              <p:ext uri="{386F3935-93C4-4BCD-93E2-E3B085C9AB24}">
-                <p16:designElem xmlns:p16="http://schemas.microsoft.com/office/powerpoint/2015/main" val="1"/>
-              </p:ext>
-            </p:extLst>
-          </p:nvPr>
-        </p:nvSpPr>
-        <p:spPr>
-          <a:xfrm>
-            <a:off x="8186411" y="644485"/>
-            <a:ext cx="3353835" cy="5129784"/>
-          </a:xfrm>
-          <a:prstGeom prst="rect">
-            <a:avLst/>
-          </a:prstGeom>
-          <a:solidFill>
-            <a:srgbClr val="FFFFFF"/>
-          </a:solidFill>
-          <a:ln>
-            <a:noFill/>
-          </a:ln>
-        </p:spPr>
-        <p:style>
-          <a:lnRef idx="2">
-            <a:schemeClr val="accent1">
-              <a:shade val="50000"/>
-            </a:schemeClr>
-          </a:lnRef>
-          <a:fillRef idx="1">
-            <a:schemeClr val="accent1"/>
-          </a:fillRef>
-          <a:effectRef idx="0">
-            <a:schemeClr val="accent1"/>
-          </a:effectRef>
-          <a:fontRef idx="minor">
-            <a:schemeClr val="lt1"/>
-          </a:fontRef>
-        </p:style>
-        <p:txBody>
-          <a:bodyPr rtlCol="0" anchor="ctr"/>
-          <a:lstStyle/>
-          <a:p>
-            <a:pPr algn="ctr"/>
-            <a:endParaRPr lang="en-US"/>
-          </a:p>
-        </p:txBody>
-      </p:sp>
-      <p:pic>
-        <p:nvPicPr>
-          <p:cNvPr id="8" name="Content Placeholder 7">
-            <a:extLst>
-              <a:ext uri="{FF2B5EF4-FFF2-40B4-BE49-F238E27FC236}">
-                <a16:creationId xmlns:a16="http://schemas.microsoft.com/office/drawing/2014/main" id="{A3DCF216-83E1-41B2-BDA1-959A449A6AE3}"/>
-              </a:ext>
-            </a:extLst>
-          </p:cNvPr>
-          <p:cNvPicPr>
-            <a:picLocks noGrp="1" noChangeAspect="1"/>
-          </p:cNvPicPr>
-          <p:nvPr>
-            <p:ph sz="half" idx="2"/>
-          </p:nvPr>
-        </p:nvPicPr>
-        <p:blipFill rotWithShape="1">
-          <a:blip r:embed="rId2"/>
-          <a:srcRect t="18823" r="4" b="578"/>
-          <a:stretch/>
-        </p:blipFill>
-        <p:spPr>
-          <a:xfrm>
-            <a:off x="8340435" y="822036"/>
-            <a:ext cx="3026664" cy="2348100"/>
-          </a:xfrm>
-          <a:prstGeom prst="rect">
-            <a:avLst/>
-          </a:prstGeom>
-        </p:spPr>
-      </p:pic>
-      <p:pic>
-        <p:nvPicPr>
-          <p:cNvPr id="6" name="Content Placeholder 5">
-            <a:extLst>
-              <a:ext uri="{FF2B5EF4-FFF2-40B4-BE49-F238E27FC236}">
-                <a16:creationId xmlns:a16="http://schemas.microsoft.com/office/drawing/2014/main" id="{D37EAA55-DD41-479C-A1DF-6BC663448E92}"/>
-              </a:ext>
-            </a:extLst>
-          </p:cNvPr>
-          <p:cNvPicPr>
-            <a:picLocks noChangeAspect="1"/>
-          </p:cNvPicPr>
-          <p:nvPr/>
-        </p:nvPicPr>
-        <p:blipFill rotWithShape="1">
-          <a:blip r:embed="rId3"/>
-          <a:srcRect t="19396" r="4" b="4"/>
-          <a:stretch/>
-        </p:blipFill>
-        <p:spPr>
-          <a:xfrm>
-            <a:off x="8340435" y="3255097"/>
-            <a:ext cx="3026664" cy="2348100"/>
-          </a:xfrm>
-          <a:prstGeom prst="rect">
-            <a:avLst/>
-          </a:prstGeom>
-        </p:spPr>
-      </p:pic>
-    </p:spTree>
-    <p:extLst>
-      <p:ext uri="{BB962C8B-B14F-4D97-AF65-F5344CB8AC3E}">
-        <p14:creationId xmlns:p14="http://schemas.microsoft.com/office/powerpoint/2010/main" val="905405225"/>
-      </p:ext>
-    </p:extLst>
-  </p:cSld>
-  <p:clrMapOvr>
-    <a:masterClrMapping/>
-  </p:clrMapOvr>
-</p:sld>
-</file>
-
-<file path=ppt/slides/slide9.xml><?xml version="1.0" encoding="utf-8"?>
-<p:sld xmlns:a="http://schemas.openxmlformats.org/drawingml/2006/main" xmlns:r="http://schemas.openxmlformats.org/officeDocument/2006/relationships" xmlns:p="http://schemas.openxmlformats.org/presentationml/2006/main">
-  <p:cSld>
-    <p:bg>
-      <p:bgPr>
-        <a:solidFill>
           <a:schemeClr val="bg1"/>
         </a:solidFill>
         <a:effectLst/>
@@ -18774,6 +18573,345 @@
     <p:extLst>
       <p:ext uri="{BB962C8B-B14F-4D97-AF65-F5344CB8AC3E}">
         <p14:creationId xmlns:p14="http://schemas.microsoft.com/office/powerpoint/2010/main" val="2593695746"/>
+      </p:ext>
+    </p:extLst>
+  </p:cSld>
+  <p:clrMapOvr>
+    <a:masterClrMapping/>
+  </p:clrMapOvr>
+</p:sld>
+</file>
+
+<file path=ppt/slides/slide9.xml><?xml version="1.0" encoding="utf-8"?>
+<p:sld xmlns:a="http://schemas.openxmlformats.org/drawingml/2006/main" xmlns:r="http://schemas.openxmlformats.org/officeDocument/2006/relationships" xmlns:p="http://schemas.openxmlformats.org/presentationml/2006/main">
+  <p:cSld>
+    <p:bg>
+      <p:bgPr>
+        <a:solidFill>
+          <a:schemeClr val="bg1">
+            <a:lumMod val="95000"/>
+          </a:schemeClr>
+        </a:solidFill>
+        <a:effectLst/>
+      </p:bgPr>
+    </p:bg>
+    <p:spTree>
+      <p:nvGrpSpPr>
+        <p:cNvPr id="1" name=""/>
+        <p:cNvGrpSpPr/>
+        <p:nvPr/>
+      </p:nvGrpSpPr>
+      <p:grpSpPr>
+        <a:xfrm>
+          <a:off x="0" y="0"/>
+          <a:ext cx="0" cy="0"/>
+          <a:chOff x="0" y="0"/>
+          <a:chExt cx="0" cy="0"/>
+        </a:xfrm>
+      </p:grpSpPr>
+      <p:sp useBgFill="1">
+        <p:nvSpPr>
+          <p:cNvPr id="40" name="Rectangle 39">
+            <a:extLst>
+              <a:ext uri="{FF2B5EF4-FFF2-40B4-BE49-F238E27FC236}">
+                <a16:creationId xmlns:a16="http://schemas.microsoft.com/office/drawing/2014/main" id="{1660E788-AFA9-4A1B-9991-6AA74632A15B}"/>
+              </a:ext>
+              <a:ext uri="{C183D7F6-B498-43B3-948B-1728B52AA6E4}">
+                <adec:decorative xmlns:adec="http://schemas.microsoft.com/office/drawing/2017/decorative" val="1"/>
+              </a:ext>
+            </a:extLst>
+          </p:cNvPr>
+          <p:cNvSpPr>
+            <a:spLocks noGrp="1" noRot="1" noChangeAspect="1" noMove="1" noResize="1" noEditPoints="1" noAdjustHandles="1" noChangeArrowheads="1" noChangeShapeType="1" noTextEdit="1"/>
+          </p:cNvSpPr>
+          <p:nvPr>
+            <p:extLst>
+              <p:ext uri="{386F3935-93C4-4BCD-93E2-E3B085C9AB24}">
+                <p16:designElem xmlns:p16="http://schemas.microsoft.com/office/powerpoint/2015/main" val="1"/>
+              </p:ext>
+            </p:extLst>
+          </p:nvPr>
+        </p:nvSpPr>
+        <p:spPr>
+          <a:xfrm>
+            <a:off x="0" y="0"/>
+            <a:ext cx="12191999" cy="6858000"/>
+          </a:xfrm>
+          <a:prstGeom prst="rect">
+            <a:avLst/>
+          </a:prstGeom>
+          <a:ln>
+            <a:noFill/>
+          </a:ln>
+        </p:spPr>
+        <p:style>
+          <a:lnRef idx="2">
+            <a:schemeClr val="accent1">
+              <a:shade val="50000"/>
+            </a:schemeClr>
+          </a:lnRef>
+          <a:fillRef idx="1">
+            <a:schemeClr val="accent1"/>
+          </a:fillRef>
+          <a:effectRef idx="0">
+            <a:schemeClr val="accent1"/>
+          </a:effectRef>
+          <a:fontRef idx="minor">
+            <a:schemeClr val="lt1"/>
+          </a:fontRef>
+        </p:style>
+        <p:txBody>
+          <a:bodyPr rtlCol="0" anchor="ctr"/>
+          <a:lstStyle/>
+          <a:p>
+            <a:pPr algn="ctr"/>
+            <a:endParaRPr lang="en-US"/>
+          </a:p>
+        </p:txBody>
+      </p:sp>
+      <p:sp>
+        <p:nvSpPr>
+          <p:cNvPr id="42" name="Rectangle 41">
+            <a:extLst>
+              <a:ext uri="{FF2B5EF4-FFF2-40B4-BE49-F238E27FC236}">
+                <a16:creationId xmlns:a16="http://schemas.microsoft.com/office/drawing/2014/main" id="{867D4867-5BA7-4462-B2F6-A23F4A622AA7}"/>
+              </a:ext>
+              <a:ext uri="{C183D7F6-B498-43B3-948B-1728B52AA6E4}">
+                <adec:decorative xmlns:adec="http://schemas.microsoft.com/office/drawing/2017/decorative" val="1"/>
+              </a:ext>
+            </a:extLst>
+          </p:cNvPr>
+          <p:cNvSpPr>
+            <a:spLocks noGrp="1" noRot="1" noChangeAspect="1" noMove="1" noResize="1" noEditPoints="1" noAdjustHandles="1" noChangeArrowheads="1" noChangeShapeType="1" noTextEdit="1"/>
+          </p:cNvSpPr>
+          <p:nvPr>
+            <p:extLst>
+              <p:ext uri="{386F3935-93C4-4BCD-93E2-E3B085C9AB24}">
+                <p16:designElem xmlns:p16="http://schemas.microsoft.com/office/powerpoint/2015/main" val="1"/>
+              </p:ext>
+            </p:extLst>
+          </p:nvPr>
+        </p:nvSpPr>
+        <p:spPr>
+          <a:xfrm>
+            <a:off x="-1" y="0"/>
+            <a:ext cx="7544653" cy="6858000"/>
+          </a:xfrm>
+          <a:prstGeom prst="rect">
+            <a:avLst/>
+          </a:prstGeom>
+          <a:solidFill>
+            <a:schemeClr val="tx2"/>
+          </a:solidFill>
+          <a:ln>
+            <a:noFill/>
+          </a:ln>
+        </p:spPr>
+        <p:style>
+          <a:lnRef idx="0">
+            <a:scrgbClr r="0" g="0" b="0"/>
+          </a:lnRef>
+          <a:fillRef idx="0">
+            <a:scrgbClr r="0" g="0" b="0"/>
+          </a:fillRef>
+          <a:effectRef idx="0">
+            <a:scrgbClr r="0" g="0" b="0"/>
+          </a:effectRef>
+          <a:fontRef idx="minor">
+            <a:schemeClr val="lt1"/>
+          </a:fontRef>
+        </p:style>
+        <p:txBody>
+          <a:bodyPr rtlCol="0" anchor="ctr"/>
+          <a:lstStyle/>
+          <a:p>
+            <a:pPr algn="ctr"/>
+            <a:endParaRPr lang="en-US"/>
+          </a:p>
+        </p:txBody>
+      </p:sp>
+      <p:sp>
+        <p:nvSpPr>
+          <p:cNvPr id="2" name="Title 1">
+            <a:extLst>
+              <a:ext uri="{FF2B5EF4-FFF2-40B4-BE49-F238E27FC236}">
+                <a16:creationId xmlns:a16="http://schemas.microsoft.com/office/drawing/2014/main" id="{BD6BEF01-2F32-4D78-AB3D-08715BF8498B}"/>
+              </a:ext>
+            </a:extLst>
+          </p:cNvPr>
+          <p:cNvSpPr>
+            <a:spLocks noGrp="1"/>
+          </p:cNvSpPr>
+          <p:nvPr>
+            <p:ph type="title"/>
+          </p:nvPr>
+        </p:nvSpPr>
+        <p:spPr>
+          <a:xfrm>
+            <a:off x="643466" y="643467"/>
+            <a:ext cx="6242719" cy="1728044"/>
+          </a:xfrm>
+          <a:noFill/>
+          <a:ln>
+            <a:solidFill>
+              <a:schemeClr val="bg1"/>
+            </a:solidFill>
+          </a:ln>
+        </p:spPr>
+        <p:txBody>
+          <a:bodyPr vert="horz" wrap="square" lIns="182880" tIns="182880" rIns="182880" bIns="182880" rtlCol="0" anchor="ctr">
+            <a:normAutofit/>
+          </a:bodyPr>
+          <a:lstStyle/>
+          <a:p>
+            <a:r>
+              <a:rPr lang="en-US" dirty="0">
+                <a:solidFill>
+                  <a:schemeClr val="bg1"/>
+                </a:solidFill>
+              </a:rPr>
+              <a:t>Outliers</a:t>
+            </a:r>
+          </a:p>
+        </p:txBody>
+      </p:sp>
+      <p:sp>
+        <p:nvSpPr>
+          <p:cNvPr id="12" name="Content Placeholder 11">
+            <a:extLst>
+              <a:ext uri="{FF2B5EF4-FFF2-40B4-BE49-F238E27FC236}">
+                <a16:creationId xmlns:a16="http://schemas.microsoft.com/office/drawing/2014/main" id="{CE956BB6-19F7-4AA3-9756-DEB8877A4812}"/>
+              </a:ext>
+            </a:extLst>
+          </p:cNvPr>
+          <p:cNvSpPr>
+            <a:spLocks noGrp="1"/>
+          </p:cNvSpPr>
+          <p:nvPr>
+            <p:ph sz="half" idx="1"/>
+          </p:nvPr>
+        </p:nvSpPr>
+        <p:spPr>
+          <a:xfrm>
+            <a:off x="643467" y="2638044"/>
+            <a:ext cx="6242715" cy="3415622"/>
+          </a:xfrm>
+        </p:spPr>
+        <p:txBody>
+          <a:bodyPr vert="horz" lIns="91440" tIns="45720" rIns="91440" bIns="45720" rtlCol="0">
+            <a:normAutofit/>
+          </a:bodyPr>
+          <a:lstStyle/>
+          <a:p>
+            <a:r>
+              <a:rPr lang="en-US" dirty="0">
+                <a:solidFill>
+                  <a:schemeClr val="bg1"/>
+                </a:solidFill>
+              </a:rPr>
+              <a:t>Outliers are another source of potential bias in the final models</a:t>
+            </a:r>
+          </a:p>
+          <a:p>
+            <a:r>
+              <a:rPr lang="en-US" dirty="0">
+                <a:solidFill>
+                  <a:schemeClr val="bg1"/>
+                </a:solidFill>
+              </a:rPr>
+              <a:t>While processing my data I decided to take an intuition-based approach, and remove very large houses (‘Ground Living Area’ &gt; 4,000) or houses that sold for very high prices (‘</a:t>
+            </a:r>
+            <a:r>
+              <a:rPr lang="en-US" dirty="0" err="1">
+                <a:solidFill>
+                  <a:schemeClr val="bg1"/>
+                </a:solidFill>
+              </a:rPr>
+              <a:t>SalesPrice</a:t>
+            </a:r>
+            <a:r>
+              <a:rPr lang="en-US" dirty="0">
+                <a:solidFill>
+                  <a:schemeClr val="bg1"/>
+                </a:solidFill>
+              </a:rPr>
+              <a:t>’ &gt; 700,000) to reduce bias </a:t>
+            </a:r>
+          </a:p>
+          <a:p>
+            <a:r>
+              <a:rPr lang="en-US" dirty="0">
+                <a:solidFill>
+                  <a:schemeClr val="bg1"/>
+                </a:solidFill>
+              </a:rPr>
+              <a:t>This only removed 4 observations from the dataset</a:t>
+            </a:r>
+          </a:p>
+        </p:txBody>
+      </p:sp>
+      <p:pic>
+        <p:nvPicPr>
+          <p:cNvPr id="8" name="Content Placeholder 7">
+            <a:extLst>
+              <a:ext uri="{FF2B5EF4-FFF2-40B4-BE49-F238E27FC236}">
+                <a16:creationId xmlns:a16="http://schemas.microsoft.com/office/drawing/2014/main" id="{6CED0E9D-DCDB-4C78-816D-ED27FD6F418B}"/>
+              </a:ext>
+            </a:extLst>
+          </p:cNvPr>
+          <p:cNvPicPr>
+            <a:picLocks noGrp="1" noChangeAspect="1"/>
+          </p:cNvPicPr>
+          <p:nvPr>
+            <p:ph sz="half" idx="2"/>
+          </p:nvPr>
+        </p:nvPicPr>
+        <p:blipFill>
+          <a:blip r:embed="rId2"/>
+          <a:stretch/>
+        </p:blipFill>
+        <p:spPr>
+          <a:xfrm>
+            <a:off x="7544652" y="0"/>
+            <a:ext cx="4647348" cy="3428999"/>
+          </a:xfrm>
+          <a:prstGeom prst="rect">
+            <a:avLst/>
+          </a:prstGeom>
+        </p:spPr>
+      </p:pic>
+      <p:pic>
+        <p:nvPicPr>
+          <p:cNvPr id="6" name="Content Placeholder 5">
+            <a:extLst>
+              <a:ext uri="{FF2B5EF4-FFF2-40B4-BE49-F238E27FC236}">
+                <a16:creationId xmlns:a16="http://schemas.microsoft.com/office/drawing/2014/main" id="{0CC6D36C-F5C6-4031-B5EF-821D678546D9}"/>
+              </a:ext>
+            </a:extLst>
+          </p:cNvPr>
+          <p:cNvPicPr>
+            <a:picLocks noChangeAspect="1"/>
+          </p:cNvPicPr>
+          <p:nvPr/>
+        </p:nvPicPr>
+        <p:blipFill>
+          <a:blip r:embed="rId3"/>
+          <a:stretch/>
+        </p:blipFill>
+        <p:spPr>
+          <a:xfrm>
+            <a:off x="7544652" y="3429001"/>
+            <a:ext cx="4647348" cy="3429000"/>
+          </a:xfrm>
+          <a:prstGeom prst="rect">
+            <a:avLst/>
+          </a:prstGeom>
+        </p:spPr>
+      </p:pic>
+    </p:spTree>
+    <p:extLst>
+      <p:ext uri="{BB962C8B-B14F-4D97-AF65-F5344CB8AC3E}">
+        <p14:creationId xmlns:p14="http://schemas.microsoft.com/office/powerpoint/2010/main" val="219997245"/>
       </p:ext>
     </p:extLst>
   </p:cSld>

--- a/Project_Presentation.pptx
+++ b/Project_Presentation.pptx
@@ -13517,6 +13517,40 @@
               <a:buChar char="v"/>
             </a:pPr>
             <a:r>
+              <a:rPr lang="en-US" dirty="0"/>
+              <a:t>No </a:t>
+            </a:r>
+            <a:r>
+              <a:rPr lang="en-US" dirty="0" err="1"/>
+              <a:t>dummification</a:t>
+            </a:r>
+            <a:r>
+              <a:rPr lang="en-US" dirty="0"/>
+              <a:t> required </a:t>
+            </a:r>
+          </a:p>
+          <a:p>
+            <a:pPr>
+              <a:buFont typeface="Wingdings" panose="05000000000000000000" pitchFamily="2" charset="2"/>
+              <a:buChar char="v"/>
+            </a:pPr>
+            <a:r>
+              <a:rPr lang="en-US" dirty="0"/>
+              <a:t>Feature Importance </a:t>
+            </a:r>
+            <a:r>
+              <a:rPr lang="en-US" dirty="0">
+                <a:sym typeface="Wingdings" panose="05000000000000000000" pitchFamily="2" charset="2"/>
+              </a:rPr>
+              <a:t></a:t>
+            </a:r>
+          </a:p>
+          <a:p>
+            <a:pPr>
+              <a:buFont typeface="Wingdings" panose="05000000000000000000" pitchFamily="2" charset="2"/>
+              <a:buChar char="v"/>
+            </a:pPr>
+            <a:r>
               <a:rPr lang="en-US" dirty="0">
                 <a:sym typeface="Wingdings" panose="05000000000000000000" pitchFamily="2" charset="2"/>
               </a:rPr>
@@ -13534,41 +13568,6 @@
               </a:rPr>
               <a:t>/cv tuning metric</a:t>
             </a:r>
-            <a:endParaRPr lang="en-US" dirty="0"/>
-          </a:p>
-          <a:p>
-            <a:pPr>
-              <a:buFont typeface="Wingdings" panose="05000000000000000000" pitchFamily="2" charset="2"/>
-              <a:buChar char="v"/>
-            </a:pPr>
-            <a:r>
-              <a:rPr lang="en-US" dirty="0"/>
-              <a:t>No </a:t>
-            </a:r>
-            <a:r>
-              <a:rPr lang="en-US" dirty="0" err="1"/>
-              <a:t>dummification</a:t>
-            </a:r>
-            <a:r>
-              <a:rPr lang="en-US" dirty="0"/>
-              <a:t> required </a:t>
-            </a:r>
-          </a:p>
-          <a:p>
-            <a:pPr>
-              <a:buFont typeface="Wingdings" panose="05000000000000000000" pitchFamily="2" charset="2"/>
-              <a:buChar char="v"/>
-            </a:pPr>
-            <a:r>
-              <a:rPr lang="en-US" dirty="0"/>
-              <a:t>Feature Importance </a:t>
-            </a:r>
-            <a:r>
-              <a:rPr lang="en-US" dirty="0">
-                <a:sym typeface="Wingdings" panose="05000000000000000000" pitchFamily="2" charset="2"/>
-              </a:rPr>
-              <a:t></a:t>
-            </a:r>
           </a:p>
           <a:p>
             <a:pPr>
@@ -13579,7 +13578,7 @@
               <a:rPr lang="en-US" dirty="0">
                 <a:sym typeface="Wingdings" panose="05000000000000000000" pitchFamily="2" charset="2"/>
               </a:rPr>
-              <a:t>Marginal improvement in CV results, but vastly improved how robust the models were when testing on new data</a:t>
+              <a:t>Marginal improvement in CV results, but vastly improved how robust the models were when submitting on Kaggle</a:t>
             </a:r>
           </a:p>
         </p:txBody>
@@ -13706,7 +13705,7 @@
           <a:p>
             <a:r>
               <a:rPr lang="en-US" dirty="0"/>
-              <a:t>Stacking Ensemble in theory builds on the different strengths of different models. Its poorer performance suggests to me that the base models may use similar information to predict values</a:t>
+              <a:t>Stacking Ensemble in theory builds on the different strengths of different models. Its poorer performance suggests to me that the base models may use similar information to predict values.</a:t>
             </a:r>
           </a:p>
         </p:txBody>
@@ -16619,7 +16618,7 @@
             </a:pPr>
             <a:r>
               <a:rPr lang="en-US" dirty="0"/>
-              <a:t> RMSE is used to evaluate submissions, using the log of predicted and actual values</a:t>
+              <a:t> RMSLE is used to evaluate submissions, using the log of predicted and actual target values</a:t>
             </a:r>
           </a:p>
           <a:p>
@@ -17180,13 +17179,33 @@
           <a:lstStyle/>
           <a:p>
             <a:r>
-              <a:rPr lang="en-US">
+              <a:rPr lang="en-US" dirty="0">
+                <a:solidFill>
+                  <a:schemeClr val="bg1"/>
+                </a:solidFill>
+              </a:rPr>
+              <a:t>Iterative</a:t>
+            </a:r>
+            <a:br>
+              <a:rPr lang="en-US" dirty="0">
+                <a:solidFill>
+                  <a:schemeClr val="bg1"/>
+                </a:solidFill>
+              </a:rPr>
+            </a:br>
+            <a:r>
+              <a:rPr lang="en-US" dirty="0" err="1">
                 <a:solidFill>
                   <a:schemeClr val="bg1"/>
                 </a:solidFill>
               </a:rPr>
               <a:t>pROCESS</a:t>
             </a:r>
+            <a:endParaRPr lang="en-US" dirty="0">
+              <a:solidFill>
+                <a:schemeClr val="bg1"/>
+              </a:solidFill>
+            </a:endParaRPr>
           </a:p>
         </p:txBody>
       </p:sp>
@@ -17333,7 +17352,7 @@
             </a:pPr>
             <a:r>
               <a:rPr lang="en-US" dirty="0"/>
-              <a:t> Explore relationships between features and the target variable</a:t>
+              <a:t> Look at relationships between features and the target variable</a:t>
             </a:r>
           </a:p>
           <a:p>
@@ -17385,7 +17404,7 @@
             </a:pPr>
             <a:r>
               <a:rPr lang="en-US" dirty="0"/>
-              <a:t>Explore the shape of the data</a:t>
+              <a:t> Explore the shape of the data</a:t>
             </a:r>
           </a:p>
         </p:txBody>
@@ -17956,14 +17975,14 @@
           <a:lstStyle/>
           <a:p>
             <a:r>
-              <a:rPr lang="en-US"/>
+              <a:rPr lang="en-US" dirty="0"/>
               <a:t>Categorical variables were tougher to explore in mass, but made up about half the dataset</a:t>
             </a:r>
           </a:p>
           <a:p>
             <a:r>
-              <a:rPr lang="en-US"/>
-              <a:t>Above are two categorical features with the strongest relationship with sale price (as determined by later feature importance exploration in the intermediary models)</a:t>
+              <a:rPr lang="en-US" dirty="0"/>
+              <a:t>These are two categorical features with the strongest relationship with sale price (as determined by later feature importance exploration in the intermediary models)</a:t>
             </a:r>
           </a:p>
         </p:txBody>
